--- a/figures/Leachate_P_Conc.pptx
+++ b/figures/Leachate_P_Conc.pptx
@@ -5,7 +5,7 @@
     <p:sldMasterId id="2147483660" r:id="rId1"/>
   </p:sldMasterIdLst>
   <p:sldIdLst>
-    <p:sldId id="259" r:id="rId2"/>
+    <p:sldId id="260" r:id="rId2"/>
   </p:sldIdLst>
   <p:sldSz cx="12192000" cy="10972800"/>
   <p:notesSz cx="6858000" cy="9144000"/>
@@ -243,7 +243,7 @@
           <a:p>
             <a:fld id="{4C980598-A193-C849-B2D1-ADB8FB8572BB}" type="datetimeFigureOut">
               <a:rPr lang="en-US" smtClean="0"/>
-              <a:t>5/1/24</a:t>
+              <a:t>5/3/24</a:t>
             </a:fld>
             <a:endParaRPr lang="en-US"/>
           </a:p>
@@ -413,7 +413,7 @@
           <a:p>
             <a:fld id="{4C980598-A193-C849-B2D1-ADB8FB8572BB}" type="datetimeFigureOut">
               <a:rPr lang="en-US" smtClean="0"/>
-              <a:t>5/1/24</a:t>
+              <a:t>5/3/24</a:t>
             </a:fld>
             <a:endParaRPr lang="en-US"/>
           </a:p>
@@ -593,7 +593,7 @@
           <a:p>
             <a:fld id="{4C980598-A193-C849-B2D1-ADB8FB8572BB}" type="datetimeFigureOut">
               <a:rPr lang="en-US" smtClean="0"/>
-              <a:t>5/1/24</a:t>
+              <a:t>5/3/24</a:t>
             </a:fld>
             <a:endParaRPr lang="en-US"/>
           </a:p>
@@ -763,7 +763,7 @@
           <a:p>
             <a:fld id="{4C980598-A193-C849-B2D1-ADB8FB8572BB}" type="datetimeFigureOut">
               <a:rPr lang="en-US" smtClean="0"/>
-              <a:t>5/1/24</a:t>
+              <a:t>5/3/24</a:t>
             </a:fld>
             <a:endParaRPr lang="en-US"/>
           </a:p>
@@ -1009,7 +1009,7 @@
           <a:p>
             <a:fld id="{4C980598-A193-C849-B2D1-ADB8FB8572BB}" type="datetimeFigureOut">
               <a:rPr lang="en-US" smtClean="0"/>
-              <a:t>5/1/24</a:t>
+              <a:t>5/3/24</a:t>
             </a:fld>
             <a:endParaRPr lang="en-US"/>
           </a:p>
@@ -1241,7 +1241,7 @@
           <a:p>
             <a:fld id="{4C980598-A193-C849-B2D1-ADB8FB8572BB}" type="datetimeFigureOut">
               <a:rPr lang="en-US" smtClean="0"/>
-              <a:t>5/1/24</a:t>
+              <a:t>5/3/24</a:t>
             </a:fld>
             <a:endParaRPr lang="en-US"/>
           </a:p>
@@ -1608,7 +1608,7 @@
           <a:p>
             <a:fld id="{4C980598-A193-C849-B2D1-ADB8FB8572BB}" type="datetimeFigureOut">
               <a:rPr lang="en-US" smtClean="0"/>
-              <a:t>5/1/24</a:t>
+              <a:t>5/3/24</a:t>
             </a:fld>
             <a:endParaRPr lang="en-US"/>
           </a:p>
@@ -1726,7 +1726,7 @@
           <a:p>
             <a:fld id="{4C980598-A193-C849-B2D1-ADB8FB8572BB}" type="datetimeFigureOut">
               <a:rPr lang="en-US" smtClean="0"/>
-              <a:t>5/1/24</a:t>
+              <a:t>5/3/24</a:t>
             </a:fld>
             <a:endParaRPr lang="en-US"/>
           </a:p>
@@ -1821,7 +1821,7 @@
           <a:p>
             <a:fld id="{4C980598-A193-C849-B2D1-ADB8FB8572BB}" type="datetimeFigureOut">
               <a:rPr lang="en-US" smtClean="0"/>
-              <a:t>5/1/24</a:t>
+              <a:t>5/3/24</a:t>
             </a:fld>
             <a:endParaRPr lang="en-US"/>
           </a:p>
@@ -2098,7 +2098,7 @@
           <a:p>
             <a:fld id="{4C980598-A193-C849-B2D1-ADB8FB8572BB}" type="datetimeFigureOut">
               <a:rPr lang="en-US" smtClean="0"/>
-              <a:t>5/1/24</a:t>
+              <a:t>5/3/24</a:t>
             </a:fld>
             <a:endParaRPr lang="en-US"/>
           </a:p>
@@ -2355,7 +2355,7 @@
           <a:p>
             <a:fld id="{4C980598-A193-C849-B2D1-ADB8FB8572BB}" type="datetimeFigureOut">
               <a:rPr lang="en-US" smtClean="0"/>
-              <a:t>5/1/24</a:t>
+              <a:t>5/3/24</a:t>
             </a:fld>
             <a:endParaRPr lang="en-US"/>
           </a:p>
@@ -2568,7 +2568,7 @@
           <a:p>
             <a:fld id="{4C980598-A193-C849-B2D1-ADB8FB8572BB}" type="datetimeFigureOut">
               <a:rPr lang="en-US" smtClean="0"/>
-              <a:t>5/1/24</a:t>
+              <a:t>5/3/24</a:t>
             </a:fld>
             <a:endParaRPr lang="en-US"/>
           </a:p>
@@ -2975,10 +2975,10 @@
       </p:grpSpPr>
       <p:pic>
         <p:nvPicPr>
-          <p:cNvPr id="2" name="Picture 1">
+          <p:cNvPr id="14" name="Picture 13">
             <a:extLst>
               <a:ext uri="{FF2B5EF4-FFF2-40B4-BE49-F238E27FC236}">
-                <a16:creationId xmlns:a16="http://schemas.microsoft.com/office/drawing/2014/main" id="{02E46DC2-8039-CCA9-8A28-34AE853264BC}"/>
+                <a16:creationId xmlns:a16="http://schemas.microsoft.com/office/drawing/2014/main" id="{F83E62BB-4504-5E3A-C3BA-8AE5F7584688}"/>
               </a:ext>
             </a:extLst>
           </p:cNvPr>
@@ -2995,8 +2995,8 @@
         </p:blipFill>
         <p:spPr>
           <a:xfrm>
-            <a:off x="412035" y="389776"/>
-            <a:ext cx="6344187" cy="10311160"/>
+            <a:off x="354118" y="459263"/>
+            <a:ext cx="6346199" cy="10314432"/>
           </a:xfrm>
           <a:prstGeom prst="rect">
             <a:avLst/>
@@ -3017,7 +3017,7 @@
         </p:nvSpPr>
         <p:spPr>
           <a:xfrm>
-            <a:off x="1538478" y="9580796"/>
+            <a:off x="1538478" y="9652236"/>
             <a:ext cx="5154929" cy="788500"/>
           </a:xfrm>
           <a:prstGeom prst="rect">
@@ -3069,7 +3069,7 @@
         </p:nvSpPr>
         <p:spPr>
           <a:xfrm rot="18026536">
-            <a:off x="950991" y="9721115"/>
+            <a:off x="950991" y="9792555"/>
             <a:ext cx="856325" cy="461665"/>
           </a:xfrm>
           <a:prstGeom prst="rect">
@@ -3118,7 +3118,7 @@
         </p:nvSpPr>
         <p:spPr>
           <a:xfrm rot="18026536">
-            <a:off x="3669137" y="9744973"/>
+            <a:off x="3669137" y="9816413"/>
             <a:ext cx="856325" cy="461665"/>
           </a:xfrm>
           <a:prstGeom prst="rect">
@@ -3167,7 +3167,7 @@
         </p:nvSpPr>
         <p:spPr>
           <a:xfrm rot="18026536">
-            <a:off x="4474569" y="9722155"/>
+            <a:off x="4474569" y="9793595"/>
             <a:ext cx="848309" cy="461665"/>
           </a:xfrm>
           <a:prstGeom prst="rect">
@@ -3216,7 +3216,7 @@
         </p:nvSpPr>
         <p:spPr>
           <a:xfrm rot="18026536">
-            <a:off x="5273840" y="9739447"/>
+            <a:off x="5273840" y="9810887"/>
             <a:ext cx="848309" cy="461665"/>
           </a:xfrm>
           <a:prstGeom prst="rect">
@@ -3265,7 +3265,7 @@
         </p:nvSpPr>
         <p:spPr>
           <a:xfrm rot="18026536">
-            <a:off x="1561180" y="9731490"/>
+            <a:off x="1561180" y="9802930"/>
             <a:ext cx="848309" cy="461665"/>
           </a:xfrm>
           <a:prstGeom prst="rect">
@@ -3314,7 +3314,7 @@
         </p:nvSpPr>
         <p:spPr>
           <a:xfrm rot="18026536">
-            <a:off x="2163657" y="9739442"/>
+            <a:off x="2163657" y="9810882"/>
             <a:ext cx="848309" cy="461665"/>
           </a:xfrm>
           <a:prstGeom prst="rect">
@@ -3363,7 +3363,7 @@
         </p:nvSpPr>
         <p:spPr>
           <a:xfrm rot="18026536">
-            <a:off x="2766882" y="9747391"/>
+            <a:off x="2766882" y="9818831"/>
             <a:ext cx="848309" cy="461665"/>
           </a:xfrm>
           <a:prstGeom prst="rect">
@@ -3401,7 +3401,7 @@
     </p:spTree>
     <p:extLst>
       <p:ext uri="{BB962C8B-B14F-4D97-AF65-F5344CB8AC3E}">
-        <p14:creationId xmlns:p14="http://schemas.microsoft.com/office/powerpoint/2010/main" val="44902129"/>
+        <p14:creationId xmlns:p14="http://schemas.microsoft.com/office/powerpoint/2010/main" val="504527835"/>
       </p:ext>
     </p:extLst>
   </p:cSld>
